--- a/ppt 16-9/1533.祢的恩典.pptx
+++ b/ppt 16-9/1533.祢的恩典.pptx
@@ -5,7 +5,7 @@
     <p:sldMasterId id="2147483648" r:id="rId1"/>
   </p:sldMasterIdLst>
   <p:sldIdLst>
-    <p:sldId id="3379" r:id="rId2"/>
+    <p:sldId id="3380" r:id="rId2"/>
   </p:sldIdLst>
   <p:sldSz cx="12192000" cy="6858000"/>
   <p:notesSz cx="6858000" cy="9144000"/>
@@ -129,7 +129,7 @@
           <p:cNvPr id="2" name="标题 1">
             <a:extLst>
               <a:ext uri="{FF2B5EF4-FFF2-40B4-BE49-F238E27FC236}">
-                <a16:creationId xmlns:a16="http://schemas.microsoft.com/office/drawing/2014/main" id="{74DFE05A-BB6D-E424-AE5C-54F506FB9750}"/>
+                <a16:creationId xmlns:a16="http://schemas.microsoft.com/office/drawing/2014/main" id="{C6CFFF13-9DC4-4E43-ACE2-C6C7ECF85520}"/>
               </a:ext>
             </a:extLst>
           </p:cNvPr>
@@ -166,7 +166,7 @@
           <p:cNvPr id="3" name="副标题 2">
             <a:extLst>
               <a:ext uri="{FF2B5EF4-FFF2-40B4-BE49-F238E27FC236}">
-                <a16:creationId xmlns:a16="http://schemas.microsoft.com/office/drawing/2014/main" id="{4C9F3365-BAD9-B8B9-307B-D83BFC5FB023}"/>
+                <a16:creationId xmlns:a16="http://schemas.microsoft.com/office/drawing/2014/main" id="{ABB14CE1-7D3D-037D-7178-125BBF8C2CC4}"/>
               </a:ext>
             </a:extLst>
           </p:cNvPr>
@@ -236,7 +236,7 @@
           <p:cNvPr id="4" name="日期占位符 3">
             <a:extLst>
               <a:ext uri="{FF2B5EF4-FFF2-40B4-BE49-F238E27FC236}">
-                <a16:creationId xmlns:a16="http://schemas.microsoft.com/office/drawing/2014/main" id="{5017C176-A494-3D07-E49B-E9FBB870ED08}"/>
+                <a16:creationId xmlns:a16="http://schemas.microsoft.com/office/drawing/2014/main" id="{4445FCAD-76F3-EF33-373E-FF1CC8B9B590}"/>
               </a:ext>
             </a:extLst>
           </p:cNvPr>
@@ -252,7 +252,7 @@
           <a:bodyPr/>
           <a:lstStyle/>
           <a:p>
-            <a:fld id="{F859C78B-8417-4C5C-AADD-4D7337C1B78B}" type="datetimeFigureOut">
+            <a:fld id="{27443F38-2A75-4E5B-AFC6-577B394F4EFA}" type="datetimeFigureOut">
               <a:rPr lang="zh-CN" altLang="en-US" smtClean="0"/>
               <a:t>2024/3/10</a:t>
             </a:fld>
@@ -265,7 +265,7 @@
           <p:cNvPr id="5" name="页脚占位符 4">
             <a:extLst>
               <a:ext uri="{FF2B5EF4-FFF2-40B4-BE49-F238E27FC236}">
-                <a16:creationId xmlns:a16="http://schemas.microsoft.com/office/drawing/2014/main" id="{15E85F96-87F2-2C9E-C88A-24F0B90382AD}"/>
+                <a16:creationId xmlns:a16="http://schemas.microsoft.com/office/drawing/2014/main" id="{AB6108A7-B2BC-9925-71CC-FF6CC6C687BD}"/>
               </a:ext>
             </a:extLst>
           </p:cNvPr>
@@ -290,7 +290,7 @@
           <p:cNvPr id="6" name="灯片编号占位符 5">
             <a:extLst>
               <a:ext uri="{FF2B5EF4-FFF2-40B4-BE49-F238E27FC236}">
-                <a16:creationId xmlns:a16="http://schemas.microsoft.com/office/drawing/2014/main" id="{A90B36C0-4CFE-61E1-222F-E86C5C14306B}"/>
+                <a16:creationId xmlns:a16="http://schemas.microsoft.com/office/drawing/2014/main" id="{7FFCBA3F-A298-EC8A-409C-3E065FAADBE3}"/>
               </a:ext>
             </a:extLst>
           </p:cNvPr>
@@ -306,7 +306,7 @@
           <a:bodyPr/>
           <a:lstStyle/>
           <a:p>
-            <a:fld id="{4EF0F7FC-EA78-42DF-B857-068CC9839E9F}" type="slidenum">
+            <a:fld id="{BDC178AA-2F94-4A52-BBFF-CB878F3C08FC}" type="slidenum">
               <a:rPr lang="zh-CN" altLang="en-US" smtClean="0"/>
               <a:t>‹#›</a:t>
             </a:fld>
@@ -317,7 +317,7 @@
     </p:spTree>
     <p:extLst>
       <p:ext uri="{BB962C8B-B14F-4D97-AF65-F5344CB8AC3E}">
-        <p14:creationId xmlns:p14="http://schemas.microsoft.com/office/powerpoint/2010/main" val="589401592"/>
+        <p14:creationId xmlns:p14="http://schemas.microsoft.com/office/powerpoint/2010/main" val="3167884542"/>
       </p:ext>
     </p:extLst>
   </p:cSld>
@@ -349,7 +349,7 @@
           <p:cNvPr id="2" name="标题 1">
             <a:extLst>
               <a:ext uri="{FF2B5EF4-FFF2-40B4-BE49-F238E27FC236}">
-                <a16:creationId xmlns:a16="http://schemas.microsoft.com/office/drawing/2014/main" id="{B9CCC6D8-24C5-3CC7-B96B-B85457F9C53A}"/>
+                <a16:creationId xmlns:a16="http://schemas.microsoft.com/office/drawing/2014/main" id="{2D130DD1-C4AC-AFA8-994C-44F4FB31F3A7}"/>
               </a:ext>
             </a:extLst>
           </p:cNvPr>
@@ -377,7 +377,7 @@
           <p:cNvPr id="3" name="竖排文字占位符 2">
             <a:extLst>
               <a:ext uri="{FF2B5EF4-FFF2-40B4-BE49-F238E27FC236}">
-                <a16:creationId xmlns:a16="http://schemas.microsoft.com/office/drawing/2014/main" id="{1607369B-0E0F-908B-3E82-EB05464FB4A5}"/>
+                <a16:creationId xmlns:a16="http://schemas.microsoft.com/office/drawing/2014/main" id="{D072D349-623C-18C0-F1BC-DDD795FAEEED}"/>
               </a:ext>
             </a:extLst>
           </p:cNvPr>
@@ -434,7 +434,7 @@
           <p:cNvPr id="4" name="日期占位符 3">
             <a:extLst>
               <a:ext uri="{FF2B5EF4-FFF2-40B4-BE49-F238E27FC236}">
-                <a16:creationId xmlns:a16="http://schemas.microsoft.com/office/drawing/2014/main" id="{D6E4AD58-3FEE-D2D7-F3CD-303583298F59}"/>
+                <a16:creationId xmlns:a16="http://schemas.microsoft.com/office/drawing/2014/main" id="{D09D374B-9180-3791-3B7E-78D82BFFF28E}"/>
               </a:ext>
             </a:extLst>
           </p:cNvPr>
@@ -450,7 +450,7 @@
           <a:bodyPr/>
           <a:lstStyle/>
           <a:p>
-            <a:fld id="{F859C78B-8417-4C5C-AADD-4D7337C1B78B}" type="datetimeFigureOut">
+            <a:fld id="{27443F38-2A75-4E5B-AFC6-577B394F4EFA}" type="datetimeFigureOut">
               <a:rPr lang="zh-CN" altLang="en-US" smtClean="0"/>
               <a:t>2024/3/10</a:t>
             </a:fld>
@@ -463,7 +463,7 @@
           <p:cNvPr id="5" name="页脚占位符 4">
             <a:extLst>
               <a:ext uri="{FF2B5EF4-FFF2-40B4-BE49-F238E27FC236}">
-                <a16:creationId xmlns:a16="http://schemas.microsoft.com/office/drawing/2014/main" id="{4A219C27-BCAF-B0D0-D572-2231825139D2}"/>
+                <a16:creationId xmlns:a16="http://schemas.microsoft.com/office/drawing/2014/main" id="{55C798E0-D4F4-3733-AEB2-0F45A83250F8}"/>
               </a:ext>
             </a:extLst>
           </p:cNvPr>
@@ -488,7 +488,7 @@
           <p:cNvPr id="6" name="灯片编号占位符 5">
             <a:extLst>
               <a:ext uri="{FF2B5EF4-FFF2-40B4-BE49-F238E27FC236}">
-                <a16:creationId xmlns:a16="http://schemas.microsoft.com/office/drawing/2014/main" id="{D244FCB8-26C9-D0DC-470A-9798749D4D79}"/>
+                <a16:creationId xmlns:a16="http://schemas.microsoft.com/office/drawing/2014/main" id="{B5FA33FA-1806-4605-BCC6-2B166C3D06DB}"/>
               </a:ext>
             </a:extLst>
           </p:cNvPr>
@@ -504,7 +504,7 @@
           <a:bodyPr/>
           <a:lstStyle/>
           <a:p>
-            <a:fld id="{4EF0F7FC-EA78-42DF-B857-068CC9839E9F}" type="slidenum">
+            <a:fld id="{BDC178AA-2F94-4A52-BBFF-CB878F3C08FC}" type="slidenum">
               <a:rPr lang="zh-CN" altLang="en-US" smtClean="0"/>
               <a:t>‹#›</a:t>
             </a:fld>
@@ -515,7 +515,7 @@
     </p:spTree>
     <p:extLst>
       <p:ext uri="{BB962C8B-B14F-4D97-AF65-F5344CB8AC3E}">
-        <p14:creationId xmlns:p14="http://schemas.microsoft.com/office/powerpoint/2010/main" val="1794800628"/>
+        <p14:creationId xmlns:p14="http://schemas.microsoft.com/office/powerpoint/2010/main" val="2760148529"/>
       </p:ext>
     </p:extLst>
   </p:cSld>
@@ -547,7 +547,7 @@
           <p:cNvPr id="2" name="竖排标题 1">
             <a:extLst>
               <a:ext uri="{FF2B5EF4-FFF2-40B4-BE49-F238E27FC236}">
-                <a16:creationId xmlns:a16="http://schemas.microsoft.com/office/drawing/2014/main" id="{16641443-D0D9-96EB-C943-847137BDCB8E}"/>
+                <a16:creationId xmlns:a16="http://schemas.microsoft.com/office/drawing/2014/main" id="{6BBACC18-DB60-CB8D-63CF-A7992257CFE4}"/>
               </a:ext>
             </a:extLst>
           </p:cNvPr>
@@ -580,7 +580,7 @@
           <p:cNvPr id="3" name="竖排文字占位符 2">
             <a:extLst>
               <a:ext uri="{FF2B5EF4-FFF2-40B4-BE49-F238E27FC236}">
-                <a16:creationId xmlns:a16="http://schemas.microsoft.com/office/drawing/2014/main" id="{5EA6A4DF-C134-3DE0-7C7E-D4D7D0881C6D}"/>
+                <a16:creationId xmlns:a16="http://schemas.microsoft.com/office/drawing/2014/main" id="{9F9A919A-3F86-95C5-DB1A-3076154A9567}"/>
               </a:ext>
             </a:extLst>
           </p:cNvPr>
@@ -642,7 +642,7 @@
           <p:cNvPr id="4" name="日期占位符 3">
             <a:extLst>
               <a:ext uri="{FF2B5EF4-FFF2-40B4-BE49-F238E27FC236}">
-                <a16:creationId xmlns:a16="http://schemas.microsoft.com/office/drawing/2014/main" id="{DE043FB9-64D1-6BD2-E239-393C27F2DC51}"/>
+                <a16:creationId xmlns:a16="http://schemas.microsoft.com/office/drawing/2014/main" id="{950DE4A5-0B02-EFDA-FA4A-1CD8E0D9AAB5}"/>
               </a:ext>
             </a:extLst>
           </p:cNvPr>
@@ -658,7 +658,7 @@
           <a:bodyPr/>
           <a:lstStyle/>
           <a:p>
-            <a:fld id="{F859C78B-8417-4C5C-AADD-4D7337C1B78B}" type="datetimeFigureOut">
+            <a:fld id="{27443F38-2A75-4E5B-AFC6-577B394F4EFA}" type="datetimeFigureOut">
               <a:rPr lang="zh-CN" altLang="en-US" smtClean="0"/>
               <a:t>2024/3/10</a:t>
             </a:fld>
@@ -671,7 +671,7 @@
           <p:cNvPr id="5" name="页脚占位符 4">
             <a:extLst>
               <a:ext uri="{FF2B5EF4-FFF2-40B4-BE49-F238E27FC236}">
-                <a16:creationId xmlns:a16="http://schemas.microsoft.com/office/drawing/2014/main" id="{C11C1445-3346-1902-296F-B8970DF41A5C}"/>
+                <a16:creationId xmlns:a16="http://schemas.microsoft.com/office/drawing/2014/main" id="{E0066ACB-C0C4-DC5D-FA45-8B05CC3EBC73}"/>
               </a:ext>
             </a:extLst>
           </p:cNvPr>
@@ -696,7 +696,7 @@
           <p:cNvPr id="6" name="灯片编号占位符 5">
             <a:extLst>
               <a:ext uri="{FF2B5EF4-FFF2-40B4-BE49-F238E27FC236}">
-                <a16:creationId xmlns:a16="http://schemas.microsoft.com/office/drawing/2014/main" id="{70191355-7131-5DA5-9CDD-39DE132C2963}"/>
+                <a16:creationId xmlns:a16="http://schemas.microsoft.com/office/drawing/2014/main" id="{C6AB7F44-8243-FB6A-B9A3-46491249C662}"/>
               </a:ext>
             </a:extLst>
           </p:cNvPr>
@@ -712,7 +712,7 @@
           <a:bodyPr/>
           <a:lstStyle/>
           <a:p>
-            <a:fld id="{4EF0F7FC-EA78-42DF-B857-068CC9839E9F}" type="slidenum">
+            <a:fld id="{BDC178AA-2F94-4A52-BBFF-CB878F3C08FC}" type="slidenum">
               <a:rPr lang="zh-CN" altLang="en-US" smtClean="0"/>
               <a:t>‹#›</a:t>
             </a:fld>
@@ -723,7 +723,7 @@
     </p:spTree>
     <p:extLst>
       <p:ext uri="{BB962C8B-B14F-4D97-AF65-F5344CB8AC3E}">
-        <p14:creationId xmlns:p14="http://schemas.microsoft.com/office/powerpoint/2010/main" val="1528846018"/>
+        <p14:creationId xmlns:p14="http://schemas.microsoft.com/office/powerpoint/2010/main" val="1044655006"/>
       </p:ext>
     </p:extLst>
   </p:cSld>
@@ -755,7 +755,7 @@
           <p:cNvPr id="2" name="标题 1">
             <a:extLst>
               <a:ext uri="{FF2B5EF4-FFF2-40B4-BE49-F238E27FC236}">
-                <a16:creationId xmlns:a16="http://schemas.microsoft.com/office/drawing/2014/main" id="{CF1A5D2E-BC6A-40AD-920B-2B128EC7D999}"/>
+                <a16:creationId xmlns:a16="http://schemas.microsoft.com/office/drawing/2014/main" id="{A9057751-C3AF-C5FA-8841-3BCE7F244E7C}"/>
               </a:ext>
             </a:extLst>
           </p:cNvPr>
@@ -783,7 +783,7 @@
           <p:cNvPr id="3" name="内容占位符 2">
             <a:extLst>
               <a:ext uri="{FF2B5EF4-FFF2-40B4-BE49-F238E27FC236}">
-                <a16:creationId xmlns:a16="http://schemas.microsoft.com/office/drawing/2014/main" id="{99757A33-8EC6-DB26-E84B-17571AE9ED80}"/>
+                <a16:creationId xmlns:a16="http://schemas.microsoft.com/office/drawing/2014/main" id="{1A901795-976B-0DE5-AF5A-F5E516DE021E}"/>
               </a:ext>
             </a:extLst>
           </p:cNvPr>
@@ -840,7 +840,7 @@
           <p:cNvPr id="4" name="日期占位符 3">
             <a:extLst>
               <a:ext uri="{FF2B5EF4-FFF2-40B4-BE49-F238E27FC236}">
-                <a16:creationId xmlns:a16="http://schemas.microsoft.com/office/drawing/2014/main" id="{0188DE5E-B3C9-DBD2-EB0F-BDF4890F8068}"/>
+                <a16:creationId xmlns:a16="http://schemas.microsoft.com/office/drawing/2014/main" id="{C2F77395-01FE-9BC1-170D-D3339EAA2523}"/>
               </a:ext>
             </a:extLst>
           </p:cNvPr>
@@ -856,7 +856,7 @@
           <a:bodyPr/>
           <a:lstStyle/>
           <a:p>
-            <a:fld id="{F859C78B-8417-4C5C-AADD-4D7337C1B78B}" type="datetimeFigureOut">
+            <a:fld id="{27443F38-2A75-4E5B-AFC6-577B394F4EFA}" type="datetimeFigureOut">
               <a:rPr lang="zh-CN" altLang="en-US" smtClean="0"/>
               <a:t>2024/3/10</a:t>
             </a:fld>
@@ -869,7 +869,7 @@
           <p:cNvPr id="5" name="页脚占位符 4">
             <a:extLst>
               <a:ext uri="{FF2B5EF4-FFF2-40B4-BE49-F238E27FC236}">
-                <a16:creationId xmlns:a16="http://schemas.microsoft.com/office/drawing/2014/main" id="{7A04B87D-76E5-B34A-C349-45C6A39AC602}"/>
+                <a16:creationId xmlns:a16="http://schemas.microsoft.com/office/drawing/2014/main" id="{BE3A8D54-6D9A-5B86-D321-E15112AA4495}"/>
               </a:ext>
             </a:extLst>
           </p:cNvPr>
@@ -894,7 +894,7 @@
           <p:cNvPr id="6" name="灯片编号占位符 5">
             <a:extLst>
               <a:ext uri="{FF2B5EF4-FFF2-40B4-BE49-F238E27FC236}">
-                <a16:creationId xmlns:a16="http://schemas.microsoft.com/office/drawing/2014/main" id="{F015B480-A4CD-0DBD-329B-C3D3389FD47D}"/>
+                <a16:creationId xmlns:a16="http://schemas.microsoft.com/office/drawing/2014/main" id="{4819FDEB-900F-B8DE-978A-55AC6AA0993F}"/>
               </a:ext>
             </a:extLst>
           </p:cNvPr>
@@ -910,7 +910,7 @@
           <a:bodyPr/>
           <a:lstStyle/>
           <a:p>
-            <a:fld id="{4EF0F7FC-EA78-42DF-B857-068CC9839E9F}" type="slidenum">
+            <a:fld id="{BDC178AA-2F94-4A52-BBFF-CB878F3C08FC}" type="slidenum">
               <a:rPr lang="zh-CN" altLang="en-US" smtClean="0"/>
               <a:t>‹#›</a:t>
             </a:fld>
@@ -921,7 +921,7 @@
     </p:spTree>
     <p:extLst>
       <p:ext uri="{BB962C8B-B14F-4D97-AF65-F5344CB8AC3E}">
-        <p14:creationId xmlns:p14="http://schemas.microsoft.com/office/powerpoint/2010/main" val="690294457"/>
+        <p14:creationId xmlns:p14="http://schemas.microsoft.com/office/powerpoint/2010/main" val="3119572839"/>
       </p:ext>
     </p:extLst>
   </p:cSld>
@@ -953,7 +953,7 @@
           <p:cNvPr id="2" name="标题 1">
             <a:extLst>
               <a:ext uri="{FF2B5EF4-FFF2-40B4-BE49-F238E27FC236}">
-                <a16:creationId xmlns:a16="http://schemas.microsoft.com/office/drawing/2014/main" id="{2F226074-51F6-7A2A-D862-99024B8FA70F}"/>
+                <a16:creationId xmlns:a16="http://schemas.microsoft.com/office/drawing/2014/main" id="{65C8A16E-64DC-8ACF-C330-DA7DC6A9654F}"/>
               </a:ext>
             </a:extLst>
           </p:cNvPr>
@@ -990,7 +990,7 @@
           <p:cNvPr id="3" name="文本占位符 2">
             <a:extLst>
               <a:ext uri="{FF2B5EF4-FFF2-40B4-BE49-F238E27FC236}">
-                <a16:creationId xmlns:a16="http://schemas.microsoft.com/office/drawing/2014/main" id="{32A7B2B1-6968-2521-8C05-B15A5518FA70}"/>
+                <a16:creationId xmlns:a16="http://schemas.microsoft.com/office/drawing/2014/main" id="{9418D39D-9AE8-9792-1C5A-9E438FEBD9C2}"/>
               </a:ext>
             </a:extLst>
           </p:cNvPr>
@@ -1115,7 +1115,7 @@
           <p:cNvPr id="4" name="日期占位符 3">
             <a:extLst>
               <a:ext uri="{FF2B5EF4-FFF2-40B4-BE49-F238E27FC236}">
-                <a16:creationId xmlns:a16="http://schemas.microsoft.com/office/drawing/2014/main" id="{C05B9F07-DF87-3AED-6575-CE28C537400A}"/>
+                <a16:creationId xmlns:a16="http://schemas.microsoft.com/office/drawing/2014/main" id="{BA863B51-BEE5-EE6F-A4D2-D03B7D26FDBE}"/>
               </a:ext>
             </a:extLst>
           </p:cNvPr>
@@ -1131,7 +1131,7 @@
           <a:bodyPr/>
           <a:lstStyle/>
           <a:p>
-            <a:fld id="{F859C78B-8417-4C5C-AADD-4D7337C1B78B}" type="datetimeFigureOut">
+            <a:fld id="{27443F38-2A75-4E5B-AFC6-577B394F4EFA}" type="datetimeFigureOut">
               <a:rPr lang="zh-CN" altLang="en-US" smtClean="0"/>
               <a:t>2024/3/10</a:t>
             </a:fld>
@@ -1144,7 +1144,7 @@
           <p:cNvPr id="5" name="页脚占位符 4">
             <a:extLst>
               <a:ext uri="{FF2B5EF4-FFF2-40B4-BE49-F238E27FC236}">
-                <a16:creationId xmlns:a16="http://schemas.microsoft.com/office/drawing/2014/main" id="{FE9D2085-BF29-6BA3-9547-22094B84FBB0}"/>
+                <a16:creationId xmlns:a16="http://schemas.microsoft.com/office/drawing/2014/main" id="{2FE51A5F-33BB-6A4A-7AE0-750D5E9FC9DA}"/>
               </a:ext>
             </a:extLst>
           </p:cNvPr>
@@ -1169,7 +1169,7 @@
           <p:cNvPr id="6" name="灯片编号占位符 5">
             <a:extLst>
               <a:ext uri="{FF2B5EF4-FFF2-40B4-BE49-F238E27FC236}">
-                <a16:creationId xmlns:a16="http://schemas.microsoft.com/office/drawing/2014/main" id="{49C2D9EF-4A1A-EFCD-E0F8-ADA54B595730}"/>
+                <a16:creationId xmlns:a16="http://schemas.microsoft.com/office/drawing/2014/main" id="{A5F01075-27CD-9E77-9874-CDB3AF90EF73}"/>
               </a:ext>
             </a:extLst>
           </p:cNvPr>
@@ -1185,7 +1185,7 @@
           <a:bodyPr/>
           <a:lstStyle/>
           <a:p>
-            <a:fld id="{4EF0F7FC-EA78-42DF-B857-068CC9839E9F}" type="slidenum">
+            <a:fld id="{BDC178AA-2F94-4A52-BBFF-CB878F3C08FC}" type="slidenum">
               <a:rPr lang="zh-CN" altLang="en-US" smtClean="0"/>
               <a:t>‹#›</a:t>
             </a:fld>
@@ -1196,7 +1196,7 @@
     </p:spTree>
     <p:extLst>
       <p:ext uri="{BB962C8B-B14F-4D97-AF65-F5344CB8AC3E}">
-        <p14:creationId xmlns:p14="http://schemas.microsoft.com/office/powerpoint/2010/main" val="359950287"/>
+        <p14:creationId xmlns:p14="http://schemas.microsoft.com/office/powerpoint/2010/main" val="2962358426"/>
       </p:ext>
     </p:extLst>
   </p:cSld>
@@ -1228,7 +1228,7 @@
           <p:cNvPr id="2" name="标题 1">
             <a:extLst>
               <a:ext uri="{FF2B5EF4-FFF2-40B4-BE49-F238E27FC236}">
-                <a16:creationId xmlns:a16="http://schemas.microsoft.com/office/drawing/2014/main" id="{5D08B1F3-0C6B-5C80-B8B2-119E9CAC4B24}"/>
+                <a16:creationId xmlns:a16="http://schemas.microsoft.com/office/drawing/2014/main" id="{F48D0393-6E8F-15EB-8ED7-6DDB21BDBC89}"/>
               </a:ext>
             </a:extLst>
           </p:cNvPr>
@@ -1256,7 +1256,7 @@
           <p:cNvPr id="3" name="内容占位符 2">
             <a:extLst>
               <a:ext uri="{FF2B5EF4-FFF2-40B4-BE49-F238E27FC236}">
-                <a16:creationId xmlns:a16="http://schemas.microsoft.com/office/drawing/2014/main" id="{897A71C4-FD55-1F97-3DA6-A4C5CA23E552}"/>
+                <a16:creationId xmlns:a16="http://schemas.microsoft.com/office/drawing/2014/main" id="{F8FF070E-3CFF-08F3-0D31-A4B977799580}"/>
               </a:ext>
             </a:extLst>
           </p:cNvPr>
@@ -1318,7 +1318,7 @@
           <p:cNvPr id="4" name="内容占位符 3">
             <a:extLst>
               <a:ext uri="{FF2B5EF4-FFF2-40B4-BE49-F238E27FC236}">
-                <a16:creationId xmlns:a16="http://schemas.microsoft.com/office/drawing/2014/main" id="{614E20DA-4661-1411-6A52-98DFE7E3A978}"/>
+                <a16:creationId xmlns:a16="http://schemas.microsoft.com/office/drawing/2014/main" id="{F2091195-95D3-E187-1C7E-B75A88C967B1}"/>
               </a:ext>
             </a:extLst>
           </p:cNvPr>
@@ -1380,7 +1380,7 @@
           <p:cNvPr id="5" name="日期占位符 4">
             <a:extLst>
               <a:ext uri="{FF2B5EF4-FFF2-40B4-BE49-F238E27FC236}">
-                <a16:creationId xmlns:a16="http://schemas.microsoft.com/office/drawing/2014/main" id="{27CB0BDF-5CCD-7202-5808-8FA032A3991A}"/>
+                <a16:creationId xmlns:a16="http://schemas.microsoft.com/office/drawing/2014/main" id="{9D6B4A04-D915-B672-31ED-B9E72A198E01}"/>
               </a:ext>
             </a:extLst>
           </p:cNvPr>
@@ -1396,7 +1396,7 @@
           <a:bodyPr/>
           <a:lstStyle/>
           <a:p>
-            <a:fld id="{F859C78B-8417-4C5C-AADD-4D7337C1B78B}" type="datetimeFigureOut">
+            <a:fld id="{27443F38-2A75-4E5B-AFC6-577B394F4EFA}" type="datetimeFigureOut">
               <a:rPr lang="zh-CN" altLang="en-US" smtClean="0"/>
               <a:t>2024/3/10</a:t>
             </a:fld>
@@ -1409,7 +1409,7 @@
           <p:cNvPr id="6" name="页脚占位符 5">
             <a:extLst>
               <a:ext uri="{FF2B5EF4-FFF2-40B4-BE49-F238E27FC236}">
-                <a16:creationId xmlns:a16="http://schemas.microsoft.com/office/drawing/2014/main" id="{3CE69E6E-7DB8-452D-E92F-4AECEEA52844}"/>
+                <a16:creationId xmlns:a16="http://schemas.microsoft.com/office/drawing/2014/main" id="{F9F4EB50-4D54-B7BF-FE8E-A7774D253299}"/>
               </a:ext>
             </a:extLst>
           </p:cNvPr>
@@ -1434,7 +1434,7 @@
           <p:cNvPr id="7" name="灯片编号占位符 6">
             <a:extLst>
               <a:ext uri="{FF2B5EF4-FFF2-40B4-BE49-F238E27FC236}">
-                <a16:creationId xmlns:a16="http://schemas.microsoft.com/office/drawing/2014/main" id="{D778E942-87AB-798E-D981-C8C1A88CC1DA}"/>
+                <a16:creationId xmlns:a16="http://schemas.microsoft.com/office/drawing/2014/main" id="{369F2C79-9C5C-89EA-8D6F-AE46475ED6D7}"/>
               </a:ext>
             </a:extLst>
           </p:cNvPr>
@@ -1450,7 +1450,7 @@
           <a:bodyPr/>
           <a:lstStyle/>
           <a:p>
-            <a:fld id="{4EF0F7FC-EA78-42DF-B857-068CC9839E9F}" type="slidenum">
+            <a:fld id="{BDC178AA-2F94-4A52-BBFF-CB878F3C08FC}" type="slidenum">
               <a:rPr lang="zh-CN" altLang="en-US" smtClean="0"/>
               <a:t>‹#›</a:t>
             </a:fld>
@@ -1461,7 +1461,7 @@
     </p:spTree>
     <p:extLst>
       <p:ext uri="{BB962C8B-B14F-4D97-AF65-F5344CB8AC3E}">
-        <p14:creationId xmlns:p14="http://schemas.microsoft.com/office/powerpoint/2010/main" val="3801820629"/>
+        <p14:creationId xmlns:p14="http://schemas.microsoft.com/office/powerpoint/2010/main" val="4115943188"/>
       </p:ext>
     </p:extLst>
   </p:cSld>
@@ -1493,7 +1493,7 @@
           <p:cNvPr id="2" name="标题 1">
             <a:extLst>
               <a:ext uri="{FF2B5EF4-FFF2-40B4-BE49-F238E27FC236}">
-                <a16:creationId xmlns:a16="http://schemas.microsoft.com/office/drawing/2014/main" id="{E02B0343-FF21-A00F-2D98-C47E14724AEF}"/>
+                <a16:creationId xmlns:a16="http://schemas.microsoft.com/office/drawing/2014/main" id="{4BDC3603-DB0A-ACEE-D99C-CA20C6E1760E}"/>
               </a:ext>
             </a:extLst>
           </p:cNvPr>
@@ -1526,7 +1526,7 @@
           <p:cNvPr id="3" name="文本占位符 2">
             <a:extLst>
               <a:ext uri="{FF2B5EF4-FFF2-40B4-BE49-F238E27FC236}">
-                <a16:creationId xmlns:a16="http://schemas.microsoft.com/office/drawing/2014/main" id="{4C6DA7E8-2B91-1096-93CF-D001B6E7BE15}"/>
+                <a16:creationId xmlns:a16="http://schemas.microsoft.com/office/drawing/2014/main" id="{71A70EF5-69D8-CD6F-BA00-FBA306ECC79A}"/>
               </a:ext>
             </a:extLst>
           </p:cNvPr>
@@ -1597,7 +1597,7 @@
           <p:cNvPr id="4" name="内容占位符 3">
             <a:extLst>
               <a:ext uri="{FF2B5EF4-FFF2-40B4-BE49-F238E27FC236}">
-                <a16:creationId xmlns:a16="http://schemas.microsoft.com/office/drawing/2014/main" id="{F2C27DC3-C1CE-EF55-ADF1-3E925CEF8210}"/>
+                <a16:creationId xmlns:a16="http://schemas.microsoft.com/office/drawing/2014/main" id="{7433D0DE-05E1-5A44-721B-B7A42C1143A0}"/>
               </a:ext>
             </a:extLst>
           </p:cNvPr>
@@ -1659,7 +1659,7 @@
           <p:cNvPr id="5" name="文本占位符 4">
             <a:extLst>
               <a:ext uri="{FF2B5EF4-FFF2-40B4-BE49-F238E27FC236}">
-                <a16:creationId xmlns:a16="http://schemas.microsoft.com/office/drawing/2014/main" id="{490746DD-7684-23EB-FB51-46F521CD1DE2}"/>
+                <a16:creationId xmlns:a16="http://schemas.microsoft.com/office/drawing/2014/main" id="{FFEE1AC2-AA8C-E9A6-0965-24D58B2282CA}"/>
               </a:ext>
             </a:extLst>
           </p:cNvPr>
@@ -1730,7 +1730,7 @@
           <p:cNvPr id="6" name="内容占位符 5">
             <a:extLst>
               <a:ext uri="{FF2B5EF4-FFF2-40B4-BE49-F238E27FC236}">
-                <a16:creationId xmlns:a16="http://schemas.microsoft.com/office/drawing/2014/main" id="{FF809E63-2F62-3E24-4DE6-D11520139A4E}"/>
+                <a16:creationId xmlns:a16="http://schemas.microsoft.com/office/drawing/2014/main" id="{07F93977-0DE8-9855-3728-FA1214309F91}"/>
               </a:ext>
             </a:extLst>
           </p:cNvPr>
@@ -1792,7 +1792,7 @@
           <p:cNvPr id="7" name="日期占位符 6">
             <a:extLst>
               <a:ext uri="{FF2B5EF4-FFF2-40B4-BE49-F238E27FC236}">
-                <a16:creationId xmlns:a16="http://schemas.microsoft.com/office/drawing/2014/main" id="{9FB5429D-843A-D5CC-0557-0019452C22DE}"/>
+                <a16:creationId xmlns:a16="http://schemas.microsoft.com/office/drawing/2014/main" id="{7BEBF63F-F96F-5135-4299-906FD1BA3372}"/>
               </a:ext>
             </a:extLst>
           </p:cNvPr>
@@ -1808,7 +1808,7 @@
           <a:bodyPr/>
           <a:lstStyle/>
           <a:p>
-            <a:fld id="{F859C78B-8417-4C5C-AADD-4D7337C1B78B}" type="datetimeFigureOut">
+            <a:fld id="{27443F38-2A75-4E5B-AFC6-577B394F4EFA}" type="datetimeFigureOut">
               <a:rPr lang="zh-CN" altLang="en-US" smtClean="0"/>
               <a:t>2024/3/10</a:t>
             </a:fld>
@@ -1821,7 +1821,7 @@
           <p:cNvPr id="8" name="页脚占位符 7">
             <a:extLst>
               <a:ext uri="{FF2B5EF4-FFF2-40B4-BE49-F238E27FC236}">
-                <a16:creationId xmlns:a16="http://schemas.microsoft.com/office/drawing/2014/main" id="{479E8F2A-9311-6D83-FA51-1BAC64D05926}"/>
+                <a16:creationId xmlns:a16="http://schemas.microsoft.com/office/drawing/2014/main" id="{040A6BCF-0738-C282-22C0-FBFCAF9EC44C}"/>
               </a:ext>
             </a:extLst>
           </p:cNvPr>
@@ -1846,7 +1846,7 @@
           <p:cNvPr id="9" name="灯片编号占位符 8">
             <a:extLst>
               <a:ext uri="{FF2B5EF4-FFF2-40B4-BE49-F238E27FC236}">
-                <a16:creationId xmlns:a16="http://schemas.microsoft.com/office/drawing/2014/main" id="{A63E9BD9-ED44-C604-2F21-494ABD95A7E0}"/>
+                <a16:creationId xmlns:a16="http://schemas.microsoft.com/office/drawing/2014/main" id="{A8F96A94-1092-B238-2C50-88F5EBED69C7}"/>
               </a:ext>
             </a:extLst>
           </p:cNvPr>
@@ -1862,7 +1862,7 @@
           <a:bodyPr/>
           <a:lstStyle/>
           <a:p>
-            <a:fld id="{4EF0F7FC-EA78-42DF-B857-068CC9839E9F}" type="slidenum">
+            <a:fld id="{BDC178AA-2F94-4A52-BBFF-CB878F3C08FC}" type="slidenum">
               <a:rPr lang="zh-CN" altLang="en-US" smtClean="0"/>
               <a:t>‹#›</a:t>
             </a:fld>
@@ -1873,7 +1873,7 @@
     </p:spTree>
     <p:extLst>
       <p:ext uri="{BB962C8B-B14F-4D97-AF65-F5344CB8AC3E}">
-        <p14:creationId xmlns:p14="http://schemas.microsoft.com/office/powerpoint/2010/main" val="4131175740"/>
+        <p14:creationId xmlns:p14="http://schemas.microsoft.com/office/powerpoint/2010/main" val="3386052730"/>
       </p:ext>
     </p:extLst>
   </p:cSld>
@@ -1905,7 +1905,7 @@
           <p:cNvPr id="2" name="标题 1">
             <a:extLst>
               <a:ext uri="{FF2B5EF4-FFF2-40B4-BE49-F238E27FC236}">
-                <a16:creationId xmlns:a16="http://schemas.microsoft.com/office/drawing/2014/main" id="{44F7FA27-EEC3-6E20-D7E3-B5B774BECE67}"/>
+                <a16:creationId xmlns:a16="http://schemas.microsoft.com/office/drawing/2014/main" id="{B0FA8BA2-B47B-C166-6ED0-87F1CBCEB91E}"/>
               </a:ext>
             </a:extLst>
           </p:cNvPr>
@@ -1933,7 +1933,7 @@
           <p:cNvPr id="3" name="日期占位符 2">
             <a:extLst>
               <a:ext uri="{FF2B5EF4-FFF2-40B4-BE49-F238E27FC236}">
-                <a16:creationId xmlns:a16="http://schemas.microsoft.com/office/drawing/2014/main" id="{2EE8557D-0F2C-7A07-5FB9-F2DC3B89A0F7}"/>
+                <a16:creationId xmlns:a16="http://schemas.microsoft.com/office/drawing/2014/main" id="{83F2EA37-C544-E80C-016A-F08F81CAA8F0}"/>
               </a:ext>
             </a:extLst>
           </p:cNvPr>
@@ -1949,7 +1949,7 @@
           <a:bodyPr/>
           <a:lstStyle/>
           <a:p>
-            <a:fld id="{F859C78B-8417-4C5C-AADD-4D7337C1B78B}" type="datetimeFigureOut">
+            <a:fld id="{27443F38-2A75-4E5B-AFC6-577B394F4EFA}" type="datetimeFigureOut">
               <a:rPr lang="zh-CN" altLang="en-US" smtClean="0"/>
               <a:t>2024/3/10</a:t>
             </a:fld>
@@ -1962,7 +1962,7 @@
           <p:cNvPr id="4" name="页脚占位符 3">
             <a:extLst>
               <a:ext uri="{FF2B5EF4-FFF2-40B4-BE49-F238E27FC236}">
-                <a16:creationId xmlns:a16="http://schemas.microsoft.com/office/drawing/2014/main" id="{F03333F0-1E7C-C1A9-2AA3-D45A3896A710}"/>
+                <a16:creationId xmlns:a16="http://schemas.microsoft.com/office/drawing/2014/main" id="{0D99D392-5047-C45F-DCDB-96F884073416}"/>
               </a:ext>
             </a:extLst>
           </p:cNvPr>
@@ -1987,7 +1987,7 @@
           <p:cNvPr id="5" name="灯片编号占位符 4">
             <a:extLst>
               <a:ext uri="{FF2B5EF4-FFF2-40B4-BE49-F238E27FC236}">
-                <a16:creationId xmlns:a16="http://schemas.microsoft.com/office/drawing/2014/main" id="{FE715C7B-2A72-ABC5-7A92-D3C0F54FEE58}"/>
+                <a16:creationId xmlns:a16="http://schemas.microsoft.com/office/drawing/2014/main" id="{5913E63B-1771-460E-7002-87A710650AE9}"/>
               </a:ext>
             </a:extLst>
           </p:cNvPr>
@@ -2003,7 +2003,7 @@
           <a:bodyPr/>
           <a:lstStyle/>
           <a:p>
-            <a:fld id="{4EF0F7FC-EA78-42DF-B857-068CC9839E9F}" type="slidenum">
+            <a:fld id="{BDC178AA-2F94-4A52-BBFF-CB878F3C08FC}" type="slidenum">
               <a:rPr lang="zh-CN" altLang="en-US" smtClean="0"/>
               <a:t>‹#›</a:t>
             </a:fld>
@@ -2014,7 +2014,7 @@
     </p:spTree>
     <p:extLst>
       <p:ext uri="{BB962C8B-B14F-4D97-AF65-F5344CB8AC3E}">
-        <p14:creationId xmlns:p14="http://schemas.microsoft.com/office/powerpoint/2010/main" val="1969423223"/>
+        <p14:creationId xmlns:p14="http://schemas.microsoft.com/office/powerpoint/2010/main" val="1812161879"/>
       </p:ext>
     </p:extLst>
   </p:cSld>
@@ -2046,7 +2046,7 @@
           <p:cNvPr id="2" name="日期占位符 1">
             <a:extLst>
               <a:ext uri="{FF2B5EF4-FFF2-40B4-BE49-F238E27FC236}">
-                <a16:creationId xmlns:a16="http://schemas.microsoft.com/office/drawing/2014/main" id="{FBE854E4-176E-9441-DE6B-E8410CFB726A}"/>
+                <a16:creationId xmlns:a16="http://schemas.microsoft.com/office/drawing/2014/main" id="{5DCB42DC-A32D-774F-D73A-4EFABBCA55F5}"/>
               </a:ext>
             </a:extLst>
           </p:cNvPr>
@@ -2062,7 +2062,7 @@
           <a:bodyPr/>
           <a:lstStyle/>
           <a:p>
-            <a:fld id="{F859C78B-8417-4C5C-AADD-4D7337C1B78B}" type="datetimeFigureOut">
+            <a:fld id="{27443F38-2A75-4E5B-AFC6-577B394F4EFA}" type="datetimeFigureOut">
               <a:rPr lang="zh-CN" altLang="en-US" smtClean="0"/>
               <a:t>2024/3/10</a:t>
             </a:fld>
@@ -2075,7 +2075,7 @@
           <p:cNvPr id="3" name="页脚占位符 2">
             <a:extLst>
               <a:ext uri="{FF2B5EF4-FFF2-40B4-BE49-F238E27FC236}">
-                <a16:creationId xmlns:a16="http://schemas.microsoft.com/office/drawing/2014/main" id="{CDC8D63D-7697-381D-7EDC-4FABF1AB79A7}"/>
+                <a16:creationId xmlns:a16="http://schemas.microsoft.com/office/drawing/2014/main" id="{2AAE1D5F-F985-26F0-9110-BA29C8BA97A8}"/>
               </a:ext>
             </a:extLst>
           </p:cNvPr>
@@ -2100,7 +2100,7 @@
           <p:cNvPr id="4" name="灯片编号占位符 3">
             <a:extLst>
               <a:ext uri="{FF2B5EF4-FFF2-40B4-BE49-F238E27FC236}">
-                <a16:creationId xmlns:a16="http://schemas.microsoft.com/office/drawing/2014/main" id="{162728D8-C4C6-D8C5-49E5-981A04505BA2}"/>
+                <a16:creationId xmlns:a16="http://schemas.microsoft.com/office/drawing/2014/main" id="{FC7A3869-59F1-9C7F-1C31-900E437E8878}"/>
               </a:ext>
             </a:extLst>
           </p:cNvPr>
@@ -2116,7 +2116,7 @@
           <a:bodyPr/>
           <a:lstStyle/>
           <a:p>
-            <a:fld id="{4EF0F7FC-EA78-42DF-B857-068CC9839E9F}" type="slidenum">
+            <a:fld id="{BDC178AA-2F94-4A52-BBFF-CB878F3C08FC}" type="slidenum">
               <a:rPr lang="zh-CN" altLang="en-US" smtClean="0"/>
               <a:t>‹#›</a:t>
             </a:fld>
@@ -2127,7 +2127,7 @@
     </p:spTree>
     <p:extLst>
       <p:ext uri="{BB962C8B-B14F-4D97-AF65-F5344CB8AC3E}">
-        <p14:creationId xmlns:p14="http://schemas.microsoft.com/office/powerpoint/2010/main" val="28437562"/>
+        <p14:creationId xmlns:p14="http://schemas.microsoft.com/office/powerpoint/2010/main" val="776350718"/>
       </p:ext>
     </p:extLst>
   </p:cSld>
@@ -2159,7 +2159,7 @@
           <p:cNvPr id="2" name="标题 1">
             <a:extLst>
               <a:ext uri="{FF2B5EF4-FFF2-40B4-BE49-F238E27FC236}">
-                <a16:creationId xmlns:a16="http://schemas.microsoft.com/office/drawing/2014/main" id="{F08CF693-81BD-6239-036F-4E40F5B49E38}"/>
+                <a16:creationId xmlns:a16="http://schemas.microsoft.com/office/drawing/2014/main" id="{A814E5F5-27C7-3769-3315-7FD4A029A04E}"/>
               </a:ext>
             </a:extLst>
           </p:cNvPr>
@@ -2196,7 +2196,7 @@
           <p:cNvPr id="3" name="内容占位符 2">
             <a:extLst>
               <a:ext uri="{FF2B5EF4-FFF2-40B4-BE49-F238E27FC236}">
-                <a16:creationId xmlns:a16="http://schemas.microsoft.com/office/drawing/2014/main" id="{57F89429-3715-0C62-547C-AE01B1A995C3}"/>
+                <a16:creationId xmlns:a16="http://schemas.microsoft.com/office/drawing/2014/main" id="{84361B1E-DDEF-FB4B-BA2A-AE9800E9C2AE}"/>
               </a:ext>
             </a:extLst>
           </p:cNvPr>
@@ -2286,7 +2286,7 @@
           <p:cNvPr id="4" name="文本占位符 3">
             <a:extLst>
               <a:ext uri="{FF2B5EF4-FFF2-40B4-BE49-F238E27FC236}">
-                <a16:creationId xmlns:a16="http://schemas.microsoft.com/office/drawing/2014/main" id="{52FE4813-AD2F-AA8A-7902-C6BCC7A179AA}"/>
+                <a16:creationId xmlns:a16="http://schemas.microsoft.com/office/drawing/2014/main" id="{DF6CFED5-EF97-D219-DA68-708D7DE361B6}"/>
               </a:ext>
             </a:extLst>
           </p:cNvPr>
@@ -2357,7 +2357,7 @@
           <p:cNvPr id="5" name="日期占位符 4">
             <a:extLst>
               <a:ext uri="{FF2B5EF4-FFF2-40B4-BE49-F238E27FC236}">
-                <a16:creationId xmlns:a16="http://schemas.microsoft.com/office/drawing/2014/main" id="{49660A87-3E69-501A-3359-D9AF1220A65A}"/>
+                <a16:creationId xmlns:a16="http://schemas.microsoft.com/office/drawing/2014/main" id="{C425B8F7-C73E-2F36-0C4E-FE5CA770CE9F}"/>
               </a:ext>
             </a:extLst>
           </p:cNvPr>
@@ -2373,7 +2373,7 @@
           <a:bodyPr/>
           <a:lstStyle/>
           <a:p>
-            <a:fld id="{F859C78B-8417-4C5C-AADD-4D7337C1B78B}" type="datetimeFigureOut">
+            <a:fld id="{27443F38-2A75-4E5B-AFC6-577B394F4EFA}" type="datetimeFigureOut">
               <a:rPr lang="zh-CN" altLang="en-US" smtClean="0"/>
               <a:t>2024/3/10</a:t>
             </a:fld>
@@ -2386,7 +2386,7 @@
           <p:cNvPr id="6" name="页脚占位符 5">
             <a:extLst>
               <a:ext uri="{FF2B5EF4-FFF2-40B4-BE49-F238E27FC236}">
-                <a16:creationId xmlns:a16="http://schemas.microsoft.com/office/drawing/2014/main" id="{5B243739-06C7-C1AB-5A1C-9890CF0031B5}"/>
+                <a16:creationId xmlns:a16="http://schemas.microsoft.com/office/drawing/2014/main" id="{9785CD0B-D903-437B-94CF-F573AC0E7D1E}"/>
               </a:ext>
             </a:extLst>
           </p:cNvPr>
@@ -2411,7 +2411,7 @@
           <p:cNvPr id="7" name="灯片编号占位符 6">
             <a:extLst>
               <a:ext uri="{FF2B5EF4-FFF2-40B4-BE49-F238E27FC236}">
-                <a16:creationId xmlns:a16="http://schemas.microsoft.com/office/drawing/2014/main" id="{9A783BF4-3659-5103-6B6A-4C672B2BFF3F}"/>
+                <a16:creationId xmlns:a16="http://schemas.microsoft.com/office/drawing/2014/main" id="{70E96779-20E5-18A2-7F12-DF57C078AE2A}"/>
               </a:ext>
             </a:extLst>
           </p:cNvPr>
@@ -2427,7 +2427,7 @@
           <a:bodyPr/>
           <a:lstStyle/>
           <a:p>
-            <a:fld id="{4EF0F7FC-EA78-42DF-B857-068CC9839E9F}" type="slidenum">
+            <a:fld id="{BDC178AA-2F94-4A52-BBFF-CB878F3C08FC}" type="slidenum">
               <a:rPr lang="zh-CN" altLang="en-US" smtClean="0"/>
               <a:t>‹#›</a:t>
             </a:fld>
@@ -2438,7 +2438,7 @@
     </p:spTree>
     <p:extLst>
       <p:ext uri="{BB962C8B-B14F-4D97-AF65-F5344CB8AC3E}">
-        <p14:creationId xmlns:p14="http://schemas.microsoft.com/office/powerpoint/2010/main" val="1061961764"/>
+        <p14:creationId xmlns:p14="http://schemas.microsoft.com/office/powerpoint/2010/main" val="2783589549"/>
       </p:ext>
     </p:extLst>
   </p:cSld>
@@ -2470,7 +2470,7 @@
           <p:cNvPr id="2" name="标题 1">
             <a:extLst>
               <a:ext uri="{FF2B5EF4-FFF2-40B4-BE49-F238E27FC236}">
-                <a16:creationId xmlns:a16="http://schemas.microsoft.com/office/drawing/2014/main" id="{C8A0DABA-843E-2DBB-E563-82EEC09827F5}"/>
+                <a16:creationId xmlns:a16="http://schemas.microsoft.com/office/drawing/2014/main" id="{6E19CD40-7590-082B-9BE5-555D3569C38F}"/>
               </a:ext>
             </a:extLst>
           </p:cNvPr>
@@ -2507,7 +2507,7 @@
           <p:cNvPr id="3" name="图片占位符 2">
             <a:extLst>
               <a:ext uri="{FF2B5EF4-FFF2-40B4-BE49-F238E27FC236}">
-                <a16:creationId xmlns:a16="http://schemas.microsoft.com/office/drawing/2014/main" id="{940483EA-4EAE-CB4B-E21A-84FF100F1FAE}"/>
+                <a16:creationId xmlns:a16="http://schemas.microsoft.com/office/drawing/2014/main" id="{58DB6505-D5B7-C81B-C055-F5770622A4D1}"/>
               </a:ext>
             </a:extLst>
           </p:cNvPr>
@@ -2574,7 +2574,7 @@
           <p:cNvPr id="4" name="文本占位符 3">
             <a:extLst>
               <a:ext uri="{FF2B5EF4-FFF2-40B4-BE49-F238E27FC236}">
-                <a16:creationId xmlns:a16="http://schemas.microsoft.com/office/drawing/2014/main" id="{E0C2AED3-9387-32E1-2C67-617A13435FA2}"/>
+                <a16:creationId xmlns:a16="http://schemas.microsoft.com/office/drawing/2014/main" id="{6D0E7B61-C309-2FF3-F2D2-4D3CE7ED9EA2}"/>
               </a:ext>
             </a:extLst>
           </p:cNvPr>
@@ -2645,7 +2645,7 @@
           <p:cNvPr id="5" name="日期占位符 4">
             <a:extLst>
               <a:ext uri="{FF2B5EF4-FFF2-40B4-BE49-F238E27FC236}">
-                <a16:creationId xmlns:a16="http://schemas.microsoft.com/office/drawing/2014/main" id="{AEFF8475-B135-92D4-BC79-6EED07082C33}"/>
+                <a16:creationId xmlns:a16="http://schemas.microsoft.com/office/drawing/2014/main" id="{23709F53-618E-9E14-3DB4-42D0A5DD7267}"/>
               </a:ext>
             </a:extLst>
           </p:cNvPr>
@@ -2661,7 +2661,7 @@
           <a:bodyPr/>
           <a:lstStyle/>
           <a:p>
-            <a:fld id="{F859C78B-8417-4C5C-AADD-4D7337C1B78B}" type="datetimeFigureOut">
+            <a:fld id="{27443F38-2A75-4E5B-AFC6-577B394F4EFA}" type="datetimeFigureOut">
               <a:rPr lang="zh-CN" altLang="en-US" smtClean="0"/>
               <a:t>2024/3/10</a:t>
             </a:fld>
@@ -2674,7 +2674,7 @@
           <p:cNvPr id="6" name="页脚占位符 5">
             <a:extLst>
               <a:ext uri="{FF2B5EF4-FFF2-40B4-BE49-F238E27FC236}">
-                <a16:creationId xmlns:a16="http://schemas.microsoft.com/office/drawing/2014/main" id="{B301802D-530F-F481-9854-A2D197F6069E}"/>
+                <a16:creationId xmlns:a16="http://schemas.microsoft.com/office/drawing/2014/main" id="{E457770C-0891-A347-8D3C-C7FA494E1777}"/>
               </a:ext>
             </a:extLst>
           </p:cNvPr>
@@ -2699,7 +2699,7 @@
           <p:cNvPr id="7" name="灯片编号占位符 6">
             <a:extLst>
               <a:ext uri="{FF2B5EF4-FFF2-40B4-BE49-F238E27FC236}">
-                <a16:creationId xmlns:a16="http://schemas.microsoft.com/office/drawing/2014/main" id="{3C23D934-5C2B-56A0-EDA6-E06C64B8993D}"/>
+                <a16:creationId xmlns:a16="http://schemas.microsoft.com/office/drawing/2014/main" id="{EBB14270-C380-62B5-F666-C901165C5142}"/>
               </a:ext>
             </a:extLst>
           </p:cNvPr>
@@ -2715,7 +2715,7 @@
           <a:bodyPr/>
           <a:lstStyle/>
           <a:p>
-            <a:fld id="{4EF0F7FC-EA78-42DF-B857-068CC9839E9F}" type="slidenum">
+            <a:fld id="{BDC178AA-2F94-4A52-BBFF-CB878F3C08FC}" type="slidenum">
               <a:rPr lang="zh-CN" altLang="en-US" smtClean="0"/>
               <a:t>‹#›</a:t>
             </a:fld>
@@ -2726,7 +2726,7 @@
     </p:spTree>
     <p:extLst>
       <p:ext uri="{BB962C8B-B14F-4D97-AF65-F5344CB8AC3E}">
-        <p14:creationId xmlns:p14="http://schemas.microsoft.com/office/powerpoint/2010/main" val="3283265840"/>
+        <p14:creationId xmlns:p14="http://schemas.microsoft.com/office/powerpoint/2010/main" val="3738115745"/>
       </p:ext>
     </p:extLst>
   </p:cSld>
@@ -2763,7 +2763,7 @@
           <p:cNvPr id="2" name="标题占位符 1">
             <a:extLst>
               <a:ext uri="{FF2B5EF4-FFF2-40B4-BE49-F238E27FC236}">
-                <a16:creationId xmlns:a16="http://schemas.microsoft.com/office/drawing/2014/main" id="{32333D94-E1F2-8CD7-FD14-C12011C96968}"/>
+                <a16:creationId xmlns:a16="http://schemas.microsoft.com/office/drawing/2014/main" id="{23541BCF-205F-5A6E-12A2-3CBD55AAFAD6}"/>
               </a:ext>
             </a:extLst>
           </p:cNvPr>
@@ -2801,7 +2801,7 @@
           <p:cNvPr id="3" name="文本占位符 2">
             <a:extLst>
               <a:ext uri="{FF2B5EF4-FFF2-40B4-BE49-F238E27FC236}">
-                <a16:creationId xmlns:a16="http://schemas.microsoft.com/office/drawing/2014/main" id="{54BAED2F-1B2C-81CE-15C6-85FBCD0281F3}"/>
+                <a16:creationId xmlns:a16="http://schemas.microsoft.com/office/drawing/2014/main" id="{7BC60905-A284-D3C7-F34E-F7759EBC263D}"/>
               </a:ext>
             </a:extLst>
           </p:cNvPr>
@@ -2868,7 +2868,7 @@
           <p:cNvPr id="4" name="日期占位符 3">
             <a:extLst>
               <a:ext uri="{FF2B5EF4-FFF2-40B4-BE49-F238E27FC236}">
-                <a16:creationId xmlns:a16="http://schemas.microsoft.com/office/drawing/2014/main" id="{B3148753-EC92-E477-AF21-57C775C1D568}"/>
+                <a16:creationId xmlns:a16="http://schemas.microsoft.com/office/drawing/2014/main" id="{3DDF1E73-3092-FE70-4F3F-B5DD707A57E5}"/>
               </a:ext>
             </a:extLst>
           </p:cNvPr>
@@ -2902,7 +2902,7 @@
             </a:lvl1pPr>
           </a:lstStyle>
           <a:p>
-            <a:fld id="{F859C78B-8417-4C5C-AADD-4D7337C1B78B}" type="datetimeFigureOut">
+            <a:fld id="{27443F38-2A75-4E5B-AFC6-577B394F4EFA}" type="datetimeFigureOut">
               <a:rPr lang="zh-CN" altLang="en-US" smtClean="0"/>
               <a:t>2024/3/10</a:t>
             </a:fld>
@@ -2915,7 +2915,7 @@
           <p:cNvPr id="5" name="页脚占位符 4">
             <a:extLst>
               <a:ext uri="{FF2B5EF4-FFF2-40B4-BE49-F238E27FC236}">
-                <a16:creationId xmlns:a16="http://schemas.microsoft.com/office/drawing/2014/main" id="{4E83378A-FD7C-DF96-7D6E-6258602DFE40}"/>
+                <a16:creationId xmlns:a16="http://schemas.microsoft.com/office/drawing/2014/main" id="{7A69A494-006E-883C-74A8-B64B86803999}"/>
               </a:ext>
             </a:extLst>
           </p:cNvPr>
@@ -2958,7 +2958,7 @@
           <p:cNvPr id="6" name="灯片编号占位符 5">
             <a:extLst>
               <a:ext uri="{FF2B5EF4-FFF2-40B4-BE49-F238E27FC236}">
-                <a16:creationId xmlns:a16="http://schemas.microsoft.com/office/drawing/2014/main" id="{36779E85-46E9-FC07-9949-7664C5AB3BFA}"/>
+                <a16:creationId xmlns:a16="http://schemas.microsoft.com/office/drawing/2014/main" id="{D9DCFCC4-1D93-A68D-CE7C-21BB6A339AE8}"/>
               </a:ext>
             </a:extLst>
           </p:cNvPr>
@@ -2992,7 +2992,7 @@
             </a:lvl1pPr>
           </a:lstStyle>
           <a:p>
-            <a:fld id="{4EF0F7FC-EA78-42DF-B857-068CC9839E9F}" type="slidenum">
+            <a:fld id="{BDC178AA-2F94-4A52-BBFF-CB878F3C08FC}" type="slidenum">
               <a:rPr lang="zh-CN" altLang="en-US" smtClean="0"/>
               <a:t>‹#›</a:t>
             </a:fld>
@@ -3003,7 +3003,7 @@
     </p:spTree>
     <p:extLst>
       <p:ext uri="{BB962C8B-B14F-4D97-AF65-F5344CB8AC3E}">
-        <p14:creationId xmlns:p14="http://schemas.microsoft.com/office/powerpoint/2010/main" val="42089758"/>
+        <p14:creationId xmlns:p14="http://schemas.microsoft.com/office/powerpoint/2010/main" val="2533489163"/>
       </p:ext>
     </p:extLst>
   </p:cSld>
@@ -3323,7 +3323,7 @@
       </p:grpSpPr>
       <p:pic>
         <p:nvPicPr>
-          <p:cNvPr id="1569794" name="Picture 2" descr="1532"/>
+          <p:cNvPr id="1570818" name="Picture 2" descr="1533"/>
           <p:cNvPicPr>
             <a:picLocks noChangeAspect="1" noChangeArrowheads="1"/>
           </p:cNvPicPr>
